--- a/Justinmind.pptx
+++ b/Justinmind.pptx
@@ -17,6 +17,9 @@
     <p:sldId id="267" r:id="rId11"/>
     <p:sldId id="268" r:id="rId12"/>
     <p:sldId id="269" r:id="rId13"/>
+    <p:sldId id="270" r:id="rId14"/>
+    <p:sldId id="271" r:id="rId15"/>
+    <p:sldId id="272" r:id="rId16"/>
   </p:sldIdLst>
   <p:sldSz cx="12192000" cy="6858000"/>
   <p:notesSz cx="6858000" cy="9144000"/>
@@ -115,6 +118,11 @@
       </a:defRPr>
     </a:lvl9pPr>
   </p:defaultTextStyle>
+  <p:extLst>
+    <p:ext uri="{EFAFB233-063F-42B5-8137-9DF3F51BA10A}">
+      <p15:sldGuideLst xmlns:p15="http://schemas.microsoft.com/office/powerpoint/2012/main"/>
+    </p:ext>
+  </p:extLst>
 </p:presentation>
 </file>
 
@@ -288,7 +296,7 @@
             <a:fld id="{87DE6118-2437-4B30-8E3C-4D2BE6020583}" type="datetimeFigureOut">
               <a:rPr lang="en-US" dirty="0"/>
               <a:pPr/>
-              <a:t>6/15/2021</a:t>
+              <a:t>6/16/2021</a:t>
             </a:fld>
             <a:endParaRPr lang="en-US" dirty="0"/>
           </a:p>
@@ -614,7 +622,7 @@
           <a:p>
             <a:fld id="{87DE6118-2437-4B30-8E3C-4D2BE6020583}" type="datetimeFigureOut">
               <a:rPr lang="en-US" dirty="0"/>
-              <a:t>6/15/2021</a:t>
+              <a:t>6/16/2021</a:t>
             </a:fld>
             <a:endParaRPr lang="en-US" dirty="0"/>
           </a:p>
@@ -789,7 +797,7 @@
           <a:p>
             <a:fld id="{87DE6118-2437-4B30-8E3C-4D2BE6020583}" type="datetimeFigureOut">
               <a:rPr lang="en-US" dirty="0"/>
-              <a:t>6/15/2021</a:t>
+              <a:t>6/16/2021</a:t>
             </a:fld>
             <a:endParaRPr lang="en-US" dirty="0"/>
           </a:p>
@@ -954,7 +962,7 @@
           <a:p>
             <a:fld id="{87DE6118-2437-4B30-8E3C-4D2BE6020583}" type="datetimeFigureOut">
               <a:rPr lang="en-US" dirty="0"/>
-              <a:t>6/15/2021</a:t>
+              <a:t>6/16/2021</a:t>
             </a:fld>
             <a:endParaRPr lang="en-US" dirty="0"/>
           </a:p>
@@ -1227,7 +1235,7 @@
             <a:fld id="{87DE6118-2437-4B30-8E3C-4D2BE6020583}" type="datetimeFigureOut">
               <a:rPr lang="en-US" dirty="0"/>
               <a:pPr/>
-              <a:t>6/15/2021</a:t>
+              <a:t>6/16/2021</a:t>
             </a:fld>
             <a:endParaRPr lang="en-US" dirty="0"/>
           </a:p>
@@ -1617,7 +1625,7 @@
           <a:p>
             <a:fld id="{87DE6118-2437-4B30-8E3C-4D2BE6020583}" type="datetimeFigureOut">
               <a:rPr lang="en-US" dirty="0"/>
-              <a:t>6/15/2021</a:t>
+              <a:t>6/16/2021</a:t>
             </a:fld>
             <a:endParaRPr lang="en-US" dirty="0"/>
           </a:p>
@@ -2089,7 +2097,7 @@
           <a:p>
             <a:fld id="{87DE6118-2437-4B30-8E3C-4D2BE6020583}" type="datetimeFigureOut">
               <a:rPr lang="en-US" dirty="0"/>
-              <a:t>6/15/2021</a:t>
+              <a:t>6/16/2021</a:t>
             </a:fld>
             <a:endParaRPr lang="en-US" dirty="0"/>
           </a:p>
@@ -2202,7 +2210,7 @@
           <a:p>
             <a:fld id="{87DE6118-2437-4B30-8E3C-4D2BE6020583}" type="datetimeFigureOut">
               <a:rPr lang="en-US" dirty="0"/>
-              <a:t>6/15/2021</a:t>
+              <a:t>6/16/2021</a:t>
             </a:fld>
             <a:endParaRPr lang="en-US" dirty="0"/>
           </a:p>
@@ -2292,7 +2300,7 @@
           <a:p>
             <a:fld id="{87DE6118-2437-4B30-8E3C-4D2BE6020583}" type="datetimeFigureOut">
               <a:rPr lang="en-US" dirty="0"/>
-              <a:t>6/15/2021</a:t>
+              <a:t>6/16/2021</a:t>
             </a:fld>
             <a:endParaRPr lang="en-US" dirty="0"/>
           </a:p>
@@ -2634,7 +2642,7 @@
             <a:fld id="{87DE6118-2437-4B30-8E3C-4D2BE6020583}" type="datetimeFigureOut">
               <a:rPr lang="en-US" dirty="0"/>
               <a:pPr/>
-              <a:t>6/15/2021</a:t>
+              <a:t>6/16/2021</a:t>
             </a:fld>
             <a:endParaRPr lang="en-US" dirty="0"/>
           </a:p>
@@ -3019,7 +3027,7 @@
             <a:fld id="{87DE6118-2437-4B30-8E3C-4D2BE6020583}" type="datetimeFigureOut">
               <a:rPr lang="en-US" dirty="0"/>
               <a:pPr/>
-              <a:t>6/15/2021</a:t>
+              <a:t>6/16/2021</a:t>
             </a:fld>
             <a:endParaRPr lang="en-US" dirty="0"/>
           </a:p>
@@ -3294,7 +3302,7 @@
             <a:fld id="{87DE6118-2437-4B30-8E3C-4D2BE6020583}" type="datetimeFigureOut">
               <a:rPr lang="en-US" dirty="0"/>
               <a:pPr/>
-              <a:t>6/15/2021</a:t>
+              <a:t>6/16/2021</a:t>
             </a:fld>
             <a:endParaRPr lang="en-US" dirty="0"/>
           </a:p>
@@ -3992,6 +4000,13 @@
   <p:clrMapOvr>
     <a:masterClrMapping/>
   </p:clrMapOvr>
+  <p:timing>
+    <p:tnLst>
+      <p:par>
+        <p:cTn id="1" dur="indefinite" restart="never" nodeType="tmRoot"/>
+      </p:par>
+    </p:tnLst>
+  </p:timing>
 </p:sld>
 </file>
 
@@ -4113,6 +4128,13 @@
   <p:clrMapOvr>
     <a:masterClrMapping/>
   </p:clrMapOvr>
+  <p:timing>
+    <p:tnLst>
+      <p:par>
+        <p:cTn id="1" dur="indefinite" restart="never" nodeType="tmRoot"/>
+      </p:par>
+    </p:tnLst>
+  </p:timing>
 </p:sld>
 </file>
 
@@ -4226,6 +4248,277 @@
   <p:clrMapOvr>
     <a:masterClrMapping/>
   </p:clrMapOvr>
+  <p:timing>
+    <p:tnLst>
+      <p:par>
+        <p:cTn id="1" dur="indefinite" restart="never" nodeType="tmRoot"/>
+      </p:par>
+    </p:tnLst>
+  </p:timing>
+</p:sld>
+</file>
+
+<file path=ppt/slides/slide13.xml><?xml version="1.0" encoding="utf-8"?>
+<p:sld xmlns:a="http://schemas.openxmlformats.org/drawingml/2006/main" xmlns:r="http://schemas.openxmlformats.org/officeDocument/2006/relationships" xmlns:p="http://schemas.openxmlformats.org/presentationml/2006/main">
+  <p:cSld>
+    <p:spTree>
+      <p:nvGrpSpPr>
+        <p:cNvPr id="1" name=""/>
+        <p:cNvGrpSpPr/>
+        <p:nvPr/>
+      </p:nvGrpSpPr>
+      <p:grpSpPr>
+        <a:xfrm>
+          <a:off x="0" y="0"/>
+          <a:ext cx="0" cy="0"/>
+          <a:chOff x="0" y="0"/>
+          <a:chExt cx="0" cy="0"/>
+        </a:xfrm>
+      </p:grpSpPr>
+      <p:pic>
+        <p:nvPicPr>
+          <p:cNvPr id="4" name="Marcador de contenido 3"/>
+          <p:cNvPicPr>
+            <a:picLocks noGrp="1" noChangeAspect="1"/>
+          </p:cNvPicPr>
+          <p:nvPr>
+            <p:ph idx="1"/>
+          </p:nvPr>
+        </p:nvPicPr>
+        <p:blipFill>
+          <a:blip r:embed="rId2"/>
+          <a:stretch>
+            <a:fillRect/>
+          </a:stretch>
+        </p:blipFill>
+        <p:spPr>
+          <a:xfrm>
+            <a:off x="966650" y="1136469"/>
+            <a:ext cx="10806069" cy="5525740"/>
+          </a:xfrm>
+          <a:prstGeom prst="rect">
+            <a:avLst/>
+          </a:prstGeom>
+        </p:spPr>
+      </p:pic>
+    </p:spTree>
+    <p:extLst>
+      <p:ext uri="{BB962C8B-B14F-4D97-AF65-F5344CB8AC3E}">
+        <p14:creationId xmlns:p14="http://schemas.microsoft.com/office/powerpoint/2010/main" val="3892118445"/>
+      </p:ext>
+    </p:extLst>
+  </p:cSld>
+  <p:clrMapOvr>
+    <a:masterClrMapping/>
+  </p:clrMapOvr>
+  <p:timing>
+    <p:tnLst>
+      <p:par>
+        <p:cTn id="1" dur="indefinite" restart="never" nodeType="tmRoot"/>
+      </p:par>
+    </p:tnLst>
+  </p:timing>
+</p:sld>
+</file>
+
+<file path=ppt/slides/slide14.xml><?xml version="1.0" encoding="utf-8"?>
+<p:sld xmlns:a="http://schemas.openxmlformats.org/drawingml/2006/main" xmlns:r="http://schemas.openxmlformats.org/officeDocument/2006/relationships" xmlns:p="http://schemas.openxmlformats.org/presentationml/2006/main">
+  <p:cSld>
+    <p:spTree>
+      <p:nvGrpSpPr>
+        <p:cNvPr id="1" name=""/>
+        <p:cNvGrpSpPr/>
+        <p:nvPr/>
+      </p:nvGrpSpPr>
+      <p:grpSpPr>
+        <a:xfrm>
+          <a:off x="0" y="0"/>
+          <a:ext cx="0" cy="0"/>
+          <a:chOff x="0" y="0"/>
+          <a:chExt cx="0" cy="0"/>
+        </a:xfrm>
+      </p:grpSpPr>
+      <p:sp>
+        <p:nvSpPr>
+          <p:cNvPr id="2" name="Título 1"/>
+          <p:cNvSpPr>
+            <a:spLocks noGrp="1"/>
+          </p:cNvSpPr>
+          <p:nvPr>
+            <p:ph type="title"/>
+          </p:nvPr>
+        </p:nvSpPr>
+        <p:spPr/>
+        <p:txBody>
+          <a:bodyPr/>
+          <a:lstStyle/>
+          <a:p>
+            <a:r>
+              <a:rPr lang="es-MX" dirty="0" smtClean="0"/>
+              <a:t>Ventajas.</a:t>
+            </a:r>
+            <a:endParaRPr lang="es-MX" dirty="0"/>
+          </a:p>
+        </p:txBody>
+      </p:sp>
+      <p:sp>
+        <p:nvSpPr>
+          <p:cNvPr id="3" name="Marcador de contenido 2"/>
+          <p:cNvSpPr>
+            <a:spLocks noGrp="1"/>
+          </p:cNvSpPr>
+          <p:nvPr>
+            <p:ph idx="1"/>
+          </p:nvPr>
+        </p:nvSpPr>
+        <p:spPr/>
+        <p:txBody>
+          <a:bodyPr/>
+          <a:lstStyle/>
+          <a:p>
+            <a:r>
+              <a:rPr lang="es-MX" dirty="0" smtClean="0"/>
+              <a:t>Es muy fácil de usar debido a que cuenta con mini tutoriales que explican diversas herramientas y el modo de uso de cada una.</a:t>
+            </a:r>
+          </a:p>
+          <a:p>
+            <a:r>
+              <a:rPr lang="es-MX" dirty="0" smtClean="0"/>
+              <a:t>Es bastante práctico, así no se haya leído los tutoriales es bastante sencillo darse cuenta de como funcionan las diferentes cosas.</a:t>
+            </a:r>
+          </a:p>
+          <a:p>
+            <a:r>
+              <a:rPr lang="es-MX" dirty="0" smtClean="0"/>
+              <a:t>No se necesita ser un experto en diseño para generar un buen prototipo.</a:t>
+            </a:r>
+          </a:p>
+          <a:p>
+            <a:r>
+              <a:rPr lang="es-MX" dirty="0" smtClean="0"/>
+              <a:t>Cuenta con muchas herramientas y opciones pre hechas que nos ayudan a que sea más fácil.</a:t>
+            </a:r>
+          </a:p>
+          <a:p>
+            <a:r>
+              <a:rPr lang="es-MX" dirty="0" smtClean="0"/>
+              <a:t>Es gratis, es completa.</a:t>
+            </a:r>
+            <a:endParaRPr lang="es-MX" dirty="0"/>
+          </a:p>
+        </p:txBody>
+      </p:sp>
+    </p:spTree>
+    <p:extLst>
+      <p:ext uri="{BB962C8B-B14F-4D97-AF65-F5344CB8AC3E}">
+        <p14:creationId xmlns:p14="http://schemas.microsoft.com/office/powerpoint/2010/main" val="2961828290"/>
+      </p:ext>
+    </p:extLst>
+  </p:cSld>
+  <p:clrMapOvr>
+    <a:masterClrMapping/>
+  </p:clrMapOvr>
+  <p:timing>
+    <p:tnLst>
+      <p:par>
+        <p:cTn id="1" dur="indefinite" restart="never" nodeType="tmRoot"/>
+      </p:par>
+    </p:tnLst>
+  </p:timing>
+</p:sld>
+</file>
+
+<file path=ppt/slides/slide15.xml><?xml version="1.0" encoding="utf-8"?>
+<p:sld xmlns:a="http://schemas.openxmlformats.org/drawingml/2006/main" xmlns:r="http://schemas.openxmlformats.org/officeDocument/2006/relationships" xmlns:p="http://schemas.openxmlformats.org/presentationml/2006/main">
+  <p:cSld>
+    <p:spTree>
+      <p:nvGrpSpPr>
+        <p:cNvPr id="1" name=""/>
+        <p:cNvGrpSpPr/>
+        <p:nvPr/>
+      </p:nvGrpSpPr>
+      <p:grpSpPr>
+        <a:xfrm>
+          <a:off x="0" y="0"/>
+          <a:ext cx="0" cy="0"/>
+          <a:chOff x="0" y="0"/>
+          <a:chExt cx="0" cy="0"/>
+        </a:xfrm>
+      </p:grpSpPr>
+      <p:sp>
+        <p:nvSpPr>
+          <p:cNvPr id="2" name="Título 1"/>
+          <p:cNvSpPr>
+            <a:spLocks noGrp="1"/>
+          </p:cNvSpPr>
+          <p:nvPr>
+            <p:ph type="title"/>
+          </p:nvPr>
+        </p:nvSpPr>
+        <p:spPr/>
+        <p:txBody>
+          <a:bodyPr/>
+          <a:lstStyle/>
+          <a:p>
+            <a:r>
+              <a:rPr lang="es-MX" dirty="0" smtClean="0"/>
+              <a:t>Desventajas.</a:t>
+            </a:r>
+            <a:endParaRPr lang="es-MX" dirty="0"/>
+          </a:p>
+        </p:txBody>
+      </p:sp>
+      <p:sp>
+        <p:nvSpPr>
+          <p:cNvPr id="3" name="Marcador de contenido 2"/>
+          <p:cNvSpPr>
+            <a:spLocks noGrp="1"/>
+          </p:cNvSpPr>
+          <p:nvPr>
+            <p:ph idx="1"/>
+          </p:nvPr>
+        </p:nvSpPr>
+        <p:spPr/>
+        <p:txBody>
+          <a:bodyPr/>
+          <a:lstStyle/>
+          <a:p>
+            <a:r>
+              <a:rPr lang="es-MX" dirty="0" smtClean="0"/>
+              <a:t>Para comenzar la animación se abre una pantalla en el navegador.</a:t>
+            </a:r>
+          </a:p>
+          <a:p>
+            <a:r>
+              <a:rPr lang="es-MX" dirty="0" smtClean="0"/>
+              <a:t>Tiene que descargarse y registrarse.</a:t>
+            </a:r>
+          </a:p>
+          <a:p>
+            <a:pPr marL="0" indent="0">
+              <a:buNone/>
+            </a:pPr>
+            <a:endParaRPr lang="es-MX" dirty="0"/>
+          </a:p>
+        </p:txBody>
+      </p:sp>
+    </p:spTree>
+    <p:extLst>
+      <p:ext uri="{BB962C8B-B14F-4D97-AF65-F5344CB8AC3E}">
+        <p14:creationId xmlns:p14="http://schemas.microsoft.com/office/powerpoint/2010/main" val="2790641163"/>
+      </p:ext>
+    </p:extLst>
+  </p:cSld>
+  <p:clrMapOvr>
+    <a:masterClrMapping/>
+  </p:clrMapOvr>
+  <p:timing>
+    <p:tnLst>
+      <p:par>
+        <p:cTn id="1" dur="indefinite" restart="never" nodeType="tmRoot"/>
+      </p:par>
+    </p:tnLst>
+  </p:timing>
 </p:sld>
 </file>
 
@@ -4292,7 +4585,15 @@
           <a:p>
             <a:r>
               <a:rPr lang="es-MX" dirty="0"/>
-              <a:t> Lo que genera es que exista un mejor manejo, sea más rápido corregir o mejorar    nuestro objetico, sea cual sea.</a:t>
+              <a:t> Lo que genera es que exista un mejor manejo, sea más rápido corregir o mejorar    nuestro </a:t>
+            </a:r>
+            <a:r>
+              <a:rPr lang="es-MX" dirty="0" smtClean="0"/>
+              <a:t>objetivo</a:t>
+            </a:r>
+            <a:r>
+              <a:rPr lang="es-MX" dirty="0"/>
+              <a:t>, sea cual sea.</a:t>
             </a:r>
             <a:endParaRPr lang="es-MX" dirty="0" smtClean="0"/>
           </a:p>
@@ -4784,6 +5085,13 @@
   <p:clrMapOvr>
     <a:masterClrMapping/>
   </p:clrMapOvr>
+  <p:timing>
+    <p:tnLst>
+      <p:par>
+        <p:cTn id="1" dur="indefinite" restart="never" nodeType="tmRoot"/>
+      </p:par>
+    </p:tnLst>
+  </p:timing>
 </p:sld>
 </file>
 
@@ -4925,6 +5233,13 @@
   <p:clrMapOvr>
     <a:masterClrMapping/>
   </p:clrMapOvr>
+  <p:timing>
+    <p:tnLst>
+      <p:par>
+        <p:cTn id="1" dur="indefinite" restart="never" nodeType="tmRoot"/>
+      </p:par>
+    </p:tnLst>
+  </p:timing>
 </p:sld>
 </file>
 
@@ -5034,6 +5349,13 @@
   <p:clrMapOvr>
     <a:masterClrMapping/>
   </p:clrMapOvr>
+  <p:timing>
+    <p:tnLst>
+      <p:par>
+        <p:cTn id="1" dur="indefinite" restart="never" nodeType="tmRoot"/>
+      </p:par>
+    </p:tnLst>
+  </p:timing>
 </p:sld>
 </file>
 
@@ -5144,6 +5466,13 @@
   <p:clrMapOvr>
     <a:masterClrMapping/>
   </p:clrMapOvr>
+  <p:timing>
+    <p:tnLst>
+      <p:par>
+        <p:cTn id="1" dur="indefinite" restart="never" nodeType="tmRoot"/>
+      </p:par>
+    </p:tnLst>
+  </p:timing>
 </p:sld>
 </file>
 
